--- a/fig-proposal/certification-framework.pptx
+++ b/fig-proposal/certification-framework.pptx
@@ -11,7 +11,7 @@
     <p:sldId id="256" r:id="rId2"/>
   </p:sldIdLst>
   <p:sldSz cx="14630400" cy="6858000"/>
-  <p:notesSz cx="6400800" cy="6858000"/>
+  <p:notesSz cx="7315200" cy="9601200"/>
   <p:defaultTextStyle>
     <a:defPPr>
       <a:defRPr lang="en-US"/>
@@ -149,18 +149,18 @@
         </p:nvSpPr>
         <p:spPr>
           <a:xfrm>
-            <a:off x="0" y="0"/>
-            <a:ext cx="2773680" cy="344091"/>
+            <a:off x="0" y="1"/>
+            <a:ext cx="3169920" cy="481727"/>
           </a:xfrm>
           <a:prstGeom prst="rect">
             <a:avLst/>
           </a:prstGeom>
         </p:spPr>
         <p:txBody>
-          <a:bodyPr vert="horz" lIns="75758" tIns="37879" rIns="75758" bIns="37879" rtlCol="0"/>
+          <a:bodyPr vert="horz" lIns="96652" tIns="48326" rIns="96652" bIns="48326" rtlCol="0"/>
           <a:lstStyle>
             <a:lvl1pPr algn="l">
-              <a:defRPr sz="1000"/>
+              <a:defRPr sz="1300"/>
             </a:lvl1pPr>
           </a:lstStyle>
           <a:p>
@@ -180,24 +180,24 @@
         </p:nvSpPr>
         <p:spPr>
           <a:xfrm>
-            <a:off x="3625639" y="0"/>
-            <a:ext cx="2773680" cy="344091"/>
+            <a:off x="4143587" y="1"/>
+            <a:ext cx="3169920" cy="481727"/>
           </a:xfrm>
           <a:prstGeom prst="rect">
             <a:avLst/>
           </a:prstGeom>
         </p:spPr>
         <p:txBody>
-          <a:bodyPr vert="horz" lIns="75758" tIns="37879" rIns="75758" bIns="37879" rtlCol="0"/>
+          <a:bodyPr vert="horz" lIns="96652" tIns="48326" rIns="96652" bIns="48326" rtlCol="0"/>
           <a:lstStyle>
             <a:lvl1pPr algn="r">
-              <a:defRPr sz="1000"/>
+              <a:defRPr sz="1300"/>
             </a:lvl1pPr>
           </a:lstStyle>
           <a:p>
             <a:fld id="{47EA5B7B-BD7B-4C78-B3E7-6C6D93938BAE}" type="datetimeFigureOut">
               <a:rPr lang="en-US" smtClean="0"/>
-              <a:t>9/11/2016</a:t>
+              <a:t>1/21/2017</a:t>
             </a:fld>
             <a:endParaRPr lang="en-US"/>
           </a:p>
@@ -215,8 +215,8 @@
         </p:nvSpPr>
         <p:spPr>
           <a:xfrm>
-            <a:off x="731838" y="857250"/>
-            <a:ext cx="4937125" cy="2314575"/>
+            <a:off x="201613" y="1200150"/>
+            <a:ext cx="6911975" cy="3240088"/>
           </a:xfrm>
           <a:prstGeom prst="rect">
             <a:avLst/>
@@ -229,7 +229,7 @@
           </a:ln>
         </p:spPr>
         <p:txBody>
-          <a:bodyPr vert="horz" lIns="75758" tIns="37879" rIns="75758" bIns="37879" rtlCol="0" anchor="ctr"/>
+          <a:bodyPr vert="horz" lIns="96652" tIns="48326" rIns="96652" bIns="48326" rtlCol="0" anchor="ctr"/>
           <a:lstStyle/>
           <a:p>
             <a:endParaRPr lang="en-US"/>
@@ -248,15 +248,15 @@
         </p:nvSpPr>
         <p:spPr>
           <a:xfrm>
-            <a:off x="640080" y="3300412"/>
-            <a:ext cx="5120640" cy="2700338"/>
+            <a:off x="731520" y="4620577"/>
+            <a:ext cx="5852160" cy="3780473"/>
           </a:xfrm>
           <a:prstGeom prst="rect">
             <a:avLst/>
           </a:prstGeom>
         </p:spPr>
         <p:txBody>
-          <a:bodyPr vert="horz" lIns="75758" tIns="37879" rIns="75758" bIns="37879" rtlCol="0"/>
+          <a:bodyPr vert="horz" lIns="96652" tIns="48326" rIns="96652" bIns="48326" rtlCol="0"/>
           <a:lstStyle/>
           <a:p>
             <a:pPr lvl="0"/>
@@ -308,18 +308,18 @@
         </p:nvSpPr>
         <p:spPr>
           <a:xfrm>
-            <a:off x="0" y="6513910"/>
-            <a:ext cx="2773680" cy="344090"/>
+            <a:off x="0" y="9119474"/>
+            <a:ext cx="3169920" cy="481726"/>
           </a:xfrm>
           <a:prstGeom prst="rect">
             <a:avLst/>
           </a:prstGeom>
         </p:spPr>
         <p:txBody>
-          <a:bodyPr vert="horz" lIns="75758" tIns="37879" rIns="75758" bIns="37879" rtlCol="0" anchor="b"/>
+          <a:bodyPr vert="horz" lIns="96652" tIns="48326" rIns="96652" bIns="48326" rtlCol="0" anchor="b"/>
           <a:lstStyle>
             <a:lvl1pPr algn="l">
-              <a:defRPr sz="1000"/>
+              <a:defRPr sz="1300"/>
             </a:lvl1pPr>
           </a:lstStyle>
           <a:p>
@@ -339,18 +339,18 @@
         </p:nvSpPr>
         <p:spPr>
           <a:xfrm>
-            <a:off x="3625639" y="6513910"/>
-            <a:ext cx="2773680" cy="344090"/>
+            <a:off x="4143587" y="9119474"/>
+            <a:ext cx="3169920" cy="481726"/>
           </a:xfrm>
           <a:prstGeom prst="rect">
             <a:avLst/>
           </a:prstGeom>
         </p:spPr>
         <p:txBody>
-          <a:bodyPr vert="horz" lIns="75758" tIns="37879" rIns="75758" bIns="37879" rtlCol="0" anchor="b"/>
+          <a:bodyPr vert="horz" lIns="96652" tIns="48326" rIns="96652" bIns="48326" rtlCol="0" anchor="b"/>
           <a:lstStyle>
             <a:lvl1pPr algn="r">
-              <a:defRPr sz="1000"/>
+              <a:defRPr sz="1300"/>
             </a:lvl1pPr>
           </a:lstStyle>
           <a:p>
@@ -494,8 +494,8 @@
         </p:nvSpPr>
         <p:spPr>
           <a:xfrm>
-            <a:off x="731838" y="857250"/>
-            <a:ext cx="4937125" cy="2314575"/>
+            <a:off x="201613" y="1200150"/>
+            <a:ext cx="6911975" cy="3240088"/>
           </a:xfrm>
         </p:spPr>
       </p:sp>
@@ -685,7 +685,7 @@
           <a:p>
             <a:fld id="{19873179-99A6-4DE6-95AF-5805621C1B89}" type="datetimeFigureOut">
               <a:rPr lang="en-US" smtClean="0"/>
-              <a:t>9/11/2016</a:t>
+              <a:t>1/21/2017</a:t>
             </a:fld>
             <a:endParaRPr lang="en-US"/>
           </a:p>
@@ -855,7 +855,7 @@
           <a:p>
             <a:fld id="{19873179-99A6-4DE6-95AF-5805621C1B89}" type="datetimeFigureOut">
               <a:rPr lang="en-US" smtClean="0"/>
-              <a:t>9/11/2016</a:t>
+              <a:t>1/21/2017</a:t>
             </a:fld>
             <a:endParaRPr lang="en-US"/>
           </a:p>
@@ -1035,7 +1035,7 @@
           <a:p>
             <a:fld id="{19873179-99A6-4DE6-95AF-5805621C1B89}" type="datetimeFigureOut">
               <a:rPr lang="en-US" smtClean="0"/>
-              <a:t>9/11/2016</a:t>
+              <a:t>1/21/2017</a:t>
             </a:fld>
             <a:endParaRPr lang="en-US"/>
           </a:p>
@@ -1205,7 +1205,7 @@
           <a:p>
             <a:fld id="{19873179-99A6-4DE6-95AF-5805621C1B89}" type="datetimeFigureOut">
               <a:rPr lang="en-US" smtClean="0"/>
-              <a:t>9/11/2016</a:t>
+              <a:t>1/21/2017</a:t>
             </a:fld>
             <a:endParaRPr lang="en-US"/>
           </a:p>
@@ -1451,7 +1451,7 @@
           <a:p>
             <a:fld id="{19873179-99A6-4DE6-95AF-5805621C1B89}" type="datetimeFigureOut">
               <a:rPr lang="en-US" smtClean="0"/>
-              <a:t>9/11/2016</a:t>
+              <a:t>1/21/2017</a:t>
             </a:fld>
             <a:endParaRPr lang="en-US"/>
           </a:p>
@@ -1683,7 +1683,7 @@
           <a:p>
             <a:fld id="{19873179-99A6-4DE6-95AF-5805621C1B89}" type="datetimeFigureOut">
               <a:rPr lang="en-US" smtClean="0"/>
-              <a:t>9/11/2016</a:t>
+              <a:t>1/21/2017</a:t>
             </a:fld>
             <a:endParaRPr lang="en-US"/>
           </a:p>
@@ -2050,7 +2050,7 @@
           <a:p>
             <a:fld id="{19873179-99A6-4DE6-95AF-5805621C1B89}" type="datetimeFigureOut">
               <a:rPr lang="en-US" smtClean="0"/>
-              <a:t>9/11/2016</a:t>
+              <a:t>1/21/2017</a:t>
             </a:fld>
             <a:endParaRPr lang="en-US"/>
           </a:p>
@@ -2168,7 +2168,7 @@
           <a:p>
             <a:fld id="{19873179-99A6-4DE6-95AF-5805621C1B89}" type="datetimeFigureOut">
               <a:rPr lang="en-US" smtClean="0"/>
-              <a:t>9/11/2016</a:t>
+              <a:t>1/21/2017</a:t>
             </a:fld>
             <a:endParaRPr lang="en-US"/>
           </a:p>
@@ -2263,7 +2263,7 @@
           <a:p>
             <a:fld id="{19873179-99A6-4DE6-95AF-5805621C1B89}" type="datetimeFigureOut">
               <a:rPr lang="en-US" smtClean="0"/>
-              <a:t>9/11/2016</a:t>
+              <a:t>1/21/2017</a:t>
             </a:fld>
             <a:endParaRPr lang="en-US"/>
           </a:p>
@@ -2540,7 +2540,7 @@
           <a:p>
             <a:fld id="{19873179-99A6-4DE6-95AF-5805621C1B89}" type="datetimeFigureOut">
               <a:rPr lang="en-US" smtClean="0"/>
-              <a:t>9/11/2016</a:t>
+              <a:t>1/21/2017</a:t>
             </a:fld>
             <a:endParaRPr lang="en-US"/>
           </a:p>
@@ -2797,7 +2797,7 @@
           <a:p>
             <a:fld id="{19873179-99A6-4DE6-95AF-5805621C1B89}" type="datetimeFigureOut">
               <a:rPr lang="en-US" smtClean="0"/>
-              <a:t>9/11/2016</a:t>
+              <a:t>1/21/2017</a:t>
             </a:fld>
             <a:endParaRPr lang="en-US"/>
           </a:p>
@@ -3010,7 +3010,7 @@
           <a:p>
             <a:fld id="{19873179-99A6-4DE6-95AF-5805621C1B89}" type="datetimeFigureOut">
               <a:rPr lang="en-US" smtClean="0"/>
-              <a:t>9/11/2016</a:t>
+              <a:t>1/21/2017</a:t>
             </a:fld>
             <a:endParaRPr lang="en-US"/>
           </a:p>
@@ -3430,6 +3430,9 @@
             <a:avLst/>
           </a:prstGeom>
           <a:ln w="19050">
+            <a:solidFill>
+              <a:schemeClr val="tx1"/>
+            </a:solidFill>
             <a:prstDash val="dash"/>
           </a:ln>
         </p:spPr>
@@ -3463,6 +3466,9 @@
             <a:avLst/>
           </a:prstGeom>
           <a:ln w="19050">
+            <a:solidFill>
+              <a:schemeClr val="tx1"/>
+            </a:solidFill>
             <a:prstDash val="dash"/>
           </a:ln>
         </p:spPr>
@@ -3496,6 +3502,9 @@
             <a:avLst/>
           </a:prstGeom>
           <a:ln w="19050">
+            <a:solidFill>
+              <a:schemeClr val="tx1"/>
+            </a:solidFill>
             <a:prstDash val="dash"/>
           </a:ln>
         </p:spPr>
@@ -3529,6 +3538,9 @@
             <a:avLst/>
           </a:prstGeom>
           <a:ln w="19050">
+            <a:solidFill>
+              <a:schemeClr val="tx1"/>
+            </a:solidFill>
             <a:prstDash val="dash"/>
           </a:ln>
         </p:spPr>
@@ -3563,12 +3575,7 @@
           <a:prstGeom prst="rect">
             <a:avLst/>
           </a:prstGeom>
-          <a:solidFill>
-            <a:schemeClr val="accent2">
-              <a:lumMod val="40000"/>
-              <a:lumOff val="60000"/>
-            </a:schemeClr>
-          </a:solidFill>
+          <a:noFill/>
           <a:ln w="25400">
             <a:headEnd/>
             <a:tailEnd/>
@@ -3635,12 +3642,7 @@
           <a:prstGeom prst="rect">
             <a:avLst/>
           </a:prstGeom>
-          <a:solidFill>
-            <a:schemeClr val="accent4">
-              <a:lumMod val="40000"/>
-              <a:lumOff val="60000"/>
-            </a:schemeClr>
-          </a:solidFill>
+          <a:noFill/>
           <a:ln w="25400">
             <a:solidFill>
               <a:schemeClr val="tx1"/>
@@ -3834,14 +3836,10 @@
           <a:prstGeom prst="roundRect">
             <a:avLst/>
           </a:prstGeom>
-          <a:solidFill>
-            <a:schemeClr val="accent1">
-              <a:alpha val="33000"/>
-            </a:schemeClr>
-          </a:solidFill>
+          <a:noFill/>
           <a:ln w="50800">
             <a:solidFill>
-              <a:schemeClr val="accent1"/>
+              <a:schemeClr val="tx1"/>
             </a:solidFill>
           </a:ln>
         </p:spPr>
@@ -4645,17 +4643,10 @@
           <a:prstGeom prst="roundRect">
             <a:avLst/>
           </a:prstGeom>
-          <a:solidFill>
-            <a:schemeClr val="accent6">
-              <a:lumMod val="75000"/>
-              <a:alpha val="33000"/>
-            </a:schemeClr>
-          </a:solidFill>
+          <a:noFill/>
           <a:ln w="50800">
             <a:solidFill>
-              <a:schemeClr val="accent6">
-                <a:lumMod val="75000"/>
-              </a:schemeClr>
+              <a:schemeClr val="tx1"/>
             </a:solidFill>
           </a:ln>
         </p:spPr>
